--- a/.lessons/17 Fundamental Database - Eloquent ORM/7 Mass Assignment/1.pptx
+++ b/.lessons/17 Fundamental Database - Eloquent ORM/7 Mass Assignment/1.pptx
@@ -5404,6 +5404,19 @@
               <a:buNone/>
             </a:pPr>
             <a:r>
+              <a:rPr kumimoji="0" lang="en-US" altLang="en-US" sz="1300" b="1" i="0" u="none" strike="noStrike" cap="none" normalizeH="0" baseline="0">
+                <a:ln>
+                  <a:noFill/>
+                </a:ln>
+                <a:solidFill>
+                  <a:schemeClr val="tx1"/>
+                </a:solidFill>
+                <a:effectLst/>
+                <a:latin typeface="Arial" panose="020B0604020202020204" pitchFamily="34" charset="0"/>
+              </a:rPr>
+              <a:t>Controller</a:t>
+            </a:r>
+            <a:r>
               <a:rPr kumimoji="0" lang="en-US" altLang="en-US" sz="1300" b="0" i="0" u="none" strike="noStrike" cap="none" normalizeH="0" baseline="0">
                 <a:ln>
                   <a:noFill/>
@@ -5414,7 +5427,111 @@
                 <a:effectLst/>
                 <a:latin typeface="Arial" panose="020B0604020202020204" pitchFamily="34" charset="0"/>
               </a:rPr>
-              <a:t>Controller və ya metod daxilində həm mass assignment, həm də manual assignment birgə istifadə etmək çox normal və tövsiyə olunan bir praktikadır, xüsusilə də həssas sahələr (məsələn admin_status) üçün.</a:t>
+              <a:t> və ya </a:t>
+            </a:r>
+            <a:r>
+              <a:rPr kumimoji="0" lang="en-US" altLang="en-US" sz="1300" b="1" i="0" u="none" strike="noStrike" cap="none" normalizeH="0" baseline="0">
+                <a:ln>
+                  <a:noFill/>
+                </a:ln>
+                <a:solidFill>
+                  <a:schemeClr val="tx1"/>
+                </a:solidFill>
+                <a:effectLst/>
+                <a:latin typeface="Arial" panose="020B0604020202020204" pitchFamily="34" charset="0"/>
+              </a:rPr>
+              <a:t>metod</a:t>
+            </a:r>
+            <a:r>
+              <a:rPr kumimoji="0" lang="en-US" altLang="en-US" sz="1300" b="0" i="0" u="none" strike="noStrike" cap="none" normalizeH="0" baseline="0">
+                <a:ln>
+                  <a:noFill/>
+                </a:ln>
+                <a:solidFill>
+                  <a:schemeClr val="tx1"/>
+                </a:solidFill>
+                <a:effectLst/>
+                <a:latin typeface="Arial" panose="020B0604020202020204" pitchFamily="34" charset="0"/>
+              </a:rPr>
+              <a:t> daxilində həm </a:t>
+            </a:r>
+            <a:r>
+              <a:rPr kumimoji="0" lang="en-US" altLang="en-US" sz="1300" b="1" i="0" u="none" strike="noStrike" cap="none" normalizeH="0" baseline="0">
+                <a:ln>
+                  <a:noFill/>
+                </a:ln>
+                <a:solidFill>
+                  <a:schemeClr val="tx1"/>
+                </a:solidFill>
+                <a:effectLst/>
+                <a:latin typeface="Arial" panose="020B0604020202020204" pitchFamily="34" charset="0"/>
+              </a:rPr>
+              <a:t>mass assignment</a:t>
+            </a:r>
+            <a:r>
+              <a:rPr kumimoji="0" lang="en-US" altLang="en-US" sz="1300" b="0" i="0" u="none" strike="noStrike" cap="none" normalizeH="0" baseline="0">
+                <a:ln>
+                  <a:noFill/>
+                </a:ln>
+                <a:solidFill>
+                  <a:schemeClr val="tx1"/>
+                </a:solidFill>
+                <a:effectLst/>
+                <a:latin typeface="Arial" panose="020B0604020202020204" pitchFamily="34" charset="0"/>
+              </a:rPr>
+              <a:t>, həm də </a:t>
+            </a:r>
+            <a:r>
+              <a:rPr kumimoji="0" lang="en-US" altLang="en-US" sz="1300" b="1" i="0" u="none" strike="noStrike" cap="none" normalizeH="0" baseline="0">
+                <a:ln>
+                  <a:noFill/>
+                </a:ln>
+                <a:solidFill>
+                  <a:schemeClr val="tx1"/>
+                </a:solidFill>
+                <a:effectLst/>
+                <a:latin typeface="Arial" panose="020B0604020202020204" pitchFamily="34" charset="0"/>
+              </a:rPr>
+              <a:t>manual assignment </a:t>
+            </a:r>
+            <a:r>
+              <a:rPr kumimoji="0" lang="en-US" altLang="en-US" sz="1300" b="0" i="0" u="none" strike="noStrike" cap="none" normalizeH="0" baseline="0">
+                <a:ln>
+                  <a:noFill/>
+                </a:ln>
+                <a:solidFill>
+                  <a:schemeClr val="tx1"/>
+                </a:solidFill>
+                <a:effectLst/>
+                <a:latin typeface="Arial" panose="020B0604020202020204" pitchFamily="34" charset="0"/>
+              </a:rPr>
+              <a:t>birgə istifadə etmək çox normal və tövsiyə olunan bir praktikadır, xüsusilə də həssas sahələr (məsələn </a:t>
+            </a:r>
+            <a:r>
+              <a:rPr kumimoji="0" lang="en-US" altLang="en-US" sz="1300" b="1" i="0" u="none" strike="noStrike" cap="none" normalizeH="0" baseline="0">
+                <a:ln>
+                  <a:noFill/>
+                </a:ln>
+                <a:solidFill>
+                  <a:schemeClr val="tx1"/>
+                </a:solidFill>
+                <a:effectLst/>
+                <a:latin typeface="Arial" panose="020B0604020202020204" pitchFamily="34" charset="0"/>
+              </a:rPr>
+              <a:t>admin_status</a:t>
+            </a:r>
+            <a:r>
+              <a:rPr kumimoji="0" lang="en-US" altLang="en-US" sz="1300" b="0" i="0" u="none" strike="noStrike" cap="none" normalizeH="0" baseline="0">
+                <a:ln>
+                  <a:noFill/>
+                </a:ln>
+                <a:solidFill>
+                  <a:schemeClr val="tx1"/>
+                </a:solidFill>
+                <a:effectLst/>
+                <a:latin typeface="Arial" panose="020B0604020202020204" pitchFamily="34" charset="0"/>
+              </a:rPr>
+              <a:t>) üçün.</a:t>
             </a:r>
             <a:endParaRPr kumimoji="0" lang="az-Latn-AZ" altLang="en-US" sz="1300" b="0" i="0" u="none" strike="noStrike" cap="none" normalizeH="0" baseline="0">
               <a:ln>
@@ -5456,7 +5573,59 @@
                 <a:effectLst/>
                 <a:latin typeface="Arial" panose="020B0604020202020204" pitchFamily="34" charset="0"/>
               </a:rPr>
-              <a:t>NÜMUNƏ: Mass + Manual assignment birlikdə</a:t>
+              <a:t>NÜMUNƏ: </a:t>
+            </a:r>
+            <a:r>
+              <a:rPr kumimoji="0" lang="en-US" altLang="en-US" sz="1300" b="1" i="0" u="none" strike="noStrike" cap="none" normalizeH="0" baseline="0">
+                <a:ln>
+                  <a:noFill/>
+                </a:ln>
+                <a:solidFill>
+                  <a:schemeClr val="tx1"/>
+                </a:solidFill>
+                <a:effectLst/>
+                <a:latin typeface="Arial" panose="020B0604020202020204" pitchFamily="34" charset="0"/>
+              </a:rPr>
+              <a:t>Mass</a:t>
+            </a:r>
+            <a:r>
+              <a:rPr kumimoji="0" lang="en-US" altLang="en-US" sz="1300" b="0" i="0" u="none" strike="noStrike" cap="none" normalizeH="0" baseline="0">
+                <a:ln>
+                  <a:noFill/>
+                </a:ln>
+                <a:solidFill>
+                  <a:schemeClr val="tx1"/>
+                </a:solidFill>
+                <a:effectLst/>
+                <a:latin typeface="Arial" panose="020B0604020202020204" pitchFamily="34" charset="0"/>
+              </a:rPr>
+              <a:t> + </a:t>
+            </a:r>
+            <a:r>
+              <a:rPr kumimoji="0" lang="en-US" altLang="en-US" sz="1300" b="1" i="0" u="none" strike="noStrike" cap="none" normalizeH="0" baseline="0">
+                <a:ln>
+                  <a:noFill/>
+                </a:ln>
+                <a:solidFill>
+                  <a:schemeClr val="tx1"/>
+                </a:solidFill>
+                <a:effectLst/>
+                <a:latin typeface="Arial" panose="020B0604020202020204" pitchFamily="34" charset="0"/>
+              </a:rPr>
+              <a:t>Manual assignment </a:t>
+            </a:r>
+            <a:r>
+              <a:rPr kumimoji="0" lang="en-US" altLang="en-US" sz="1300" b="0" i="0" u="none" strike="noStrike" cap="none" normalizeH="0" baseline="0">
+                <a:ln>
+                  <a:noFill/>
+                </a:ln>
+                <a:solidFill>
+                  <a:schemeClr val="tx1"/>
+                </a:solidFill>
+                <a:effectLst/>
+                <a:latin typeface="Arial" panose="020B0604020202020204" pitchFamily="34" charset="0"/>
+              </a:rPr>
+              <a:t>birlikdə</a:t>
             </a:r>
           </a:p>
         </p:txBody>
